--- a/Documents/Project Management/Metrics/Schedule Metrics/Schedule Metrics.pptx
+++ b/Documents/Project Management/Metrics/Schedule Metrics/Schedule Metrics.pptx
@@ -107,6 +107,11 @@
       </a:defRPr>
     </a:lvl9pPr>
   </p:defaultTextStyle>
+  <p:extLst>
+    <p:ext uri="{EFAFB233-063F-42B5-8137-9DF3F51BA10A}">
+      <p15:sldGuideLst xmlns:p15="http://schemas.microsoft.com/office/powerpoint/2012/main"/>
+    </p:ext>
+  </p:extLst>
 </p:presentation>
 </file>
 
@@ -263,10 +268,10 @@
           </c:dLbls>
           <c:cat>
             <c:numRef>
-              <c:f>Sheet1!$A$2:$A$11</c:f>
+              <c:f>Sheet1!$A$2:$A$12</c:f>
               <c:numCache>
                 <c:formatCode>General</c:formatCode>
-                <c:ptCount val="10"/>
+                <c:ptCount val="11"/>
                 <c:pt idx="0">
                   <c:v>1</c:v>
                 </c:pt>
@@ -297,15 +302,18 @@
                 <c:pt idx="9">
                   <c:v>10</c:v>
                 </c:pt>
+                <c:pt idx="10">
+                  <c:v>11</c:v>
+                </c:pt>
               </c:numCache>
             </c:numRef>
           </c:cat>
           <c:val>
             <c:numRef>
-              <c:f>Sheet1!$B$2:$B$11</c:f>
+              <c:f>Sheet1!$B$2:$B$12</c:f>
               <c:numCache>
                 <c:formatCode>0%</c:formatCode>
-                <c:ptCount val="10"/>
+                <c:ptCount val="11"/>
                 <c:pt idx="0">
                   <c:v>1</c:v>
                 </c:pt>
@@ -336,6 +344,9 @@
                 <c:pt idx="9">
                   <c:v>1</c:v>
                 </c:pt>
+                <c:pt idx="10">
+                  <c:v>1</c:v>
+                </c:pt>
               </c:numCache>
             </c:numRef>
           </c:val>
@@ -352,11 +363,11 @@
         </c:dLbls>
         <c:marker val="1"/>
         <c:smooth val="0"/>
-        <c:axId val="653026688"/>
-        <c:axId val="653028864"/>
+        <c:axId val="-1445875792"/>
+        <c:axId val="-1257439872"/>
       </c:lineChart>
       <c:catAx>
-        <c:axId val="653026688"/>
+        <c:axId val="-1445875792"/>
         <c:scaling>
           <c:orientation val="minMax"/>
         </c:scaling>
@@ -399,7 +410,7 @@
             <a:endParaRPr lang="en-US"/>
           </a:p>
         </c:txPr>
-        <c:crossAx val="653028864"/>
+        <c:crossAx val="-1257439872"/>
         <c:crosses val="autoZero"/>
         <c:auto val="1"/>
         <c:lblAlgn val="ctr"/>
@@ -407,7 +418,7 @@
         <c:noMultiLvlLbl val="0"/>
       </c:catAx>
       <c:valAx>
-        <c:axId val="653028864"/>
+        <c:axId val="-1257439872"/>
         <c:scaling>
           <c:orientation val="minMax"/>
           <c:max val="1.1000000000000001"/>
@@ -446,7 +457,7 @@
             <a:endParaRPr lang="en-US"/>
           </a:p>
         </c:txPr>
-        <c:crossAx val="653026688"/>
+        <c:crossAx val="-1445875792"/>
         <c:crosses val="autoZero"/>
         <c:crossBetween val="between"/>
       </c:valAx>
@@ -570,7 +581,7 @@
           <a:p>
             <a:fld id="{87D4DE1A-008A-4303-BF93-2D295455AB95}" type="datetimeFigureOut">
               <a:rPr lang="en-SG" smtClean="0"/>
-              <a:t>9/3/2015</a:t>
+              <a:t>23/3/2015</a:t>
             </a:fld>
             <a:endParaRPr lang="en-SG"/>
           </a:p>
@@ -1053,7 +1064,7 @@
           <a:p>
             <a:fld id="{36BCE651-D5B7-4216-B81A-E265A6819704}" type="datetimeFigureOut">
               <a:rPr lang="en-SG" smtClean="0"/>
-              <a:t>9/3/2015</a:t>
+              <a:t>23/3/2015</a:t>
             </a:fld>
             <a:endParaRPr lang="en-SG"/>
           </a:p>
@@ -1223,7 +1234,7 @@
           <a:p>
             <a:fld id="{36BCE651-D5B7-4216-B81A-E265A6819704}" type="datetimeFigureOut">
               <a:rPr lang="en-SG" smtClean="0"/>
-              <a:t>9/3/2015</a:t>
+              <a:t>23/3/2015</a:t>
             </a:fld>
             <a:endParaRPr lang="en-SG"/>
           </a:p>
@@ -1403,7 +1414,7 @@
           <a:p>
             <a:fld id="{36BCE651-D5B7-4216-B81A-E265A6819704}" type="datetimeFigureOut">
               <a:rPr lang="en-SG" smtClean="0"/>
-              <a:t>9/3/2015</a:t>
+              <a:t>23/3/2015</a:t>
             </a:fld>
             <a:endParaRPr lang="en-SG"/>
           </a:p>
@@ -1573,7 +1584,7 @@
           <a:p>
             <a:fld id="{36BCE651-D5B7-4216-B81A-E265A6819704}" type="datetimeFigureOut">
               <a:rPr lang="en-SG" smtClean="0"/>
-              <a:t>9/3/2015</a:t>
+              <a:t>23/3/2015</a:t>
             </a:fld>
             <a:endParaRPr lang="en-SG"/>
           </a:p>
@@ -1819,7 +1830,7 @@
           <a:p>
             <a:fld id="{36BCE651-D5B7-4216-B81A-E265A6819704}" type="datetimeFigureOut">
               <a:rPr lang="en-SG" smtClean="0"/>
-              <a:t>9/3/2015</a:t>
+              <a:t>23/3/2015</a:t>
             </a:fld>
             <a:endParaRPr lang="en-SG"/>
           </a:p>
@@ -2051,7 +2062,7 @@
           <a:p>
             <a:fld id="{36BCE651-D5B7-4216-B81A-E265A6819704}" type="datetimeFigureOut">
               <a:rPr lang="en-SG" smtClean="0"/>
-              <a:t>9/3/2015</a:t>
+              <a:t>23/3/2015</a:t>
             </a:fld>
             <a:endParaRPr lang="en-SG"/>
           </a:p>
@@ -2418,7 +2429,7 @@
           <a:p>
             <a:fld id="{36BCE651-D5B7-4216-B81A-E265A6819704}" type="datetimeFigureOut">
               <a:rPr lang="en-SG" smtClean="0"/>
-              <a:t>9/3/2015</a:t>
+              <a:t>23/3/2015</a:t>
             </a:fld>
             <a:endParaRPr lang="en-SG"/>
           </a:p>
@@ -2536,7 +2547,7 @@
           <a:p>
             <a:fld id="{36BCE651-D5B7-4216-B81A-E265A6819704}" type="datetimeFigureOut">
               <a:rPr lang="en-SG" smtClean="0"/>
-              <a:t>9/3/2015</a:t>
+              <a:t>23/3/2015</a:t>
             </a:fld>
             <a:endParaRPr lang="en-SG"/>
           </a:p>
@@ -2631,7 +2642,7 @@
           <a:p>
             <a:fld id="{36BCE651-D5B7-4216-B81A-E265A6819704}" type="datetimeFigureOut">
               <a:rPr lang="en-SG" smtClean="0"/>
-              <a:t>9/3/2015</a:t>
+              <a:t>23/3/2015</a:t>
             </a:fld>
             <a:endParaRPr lang="en-SG"/>
           </a:p>
@@ -2908,7 +2919,7 @@
           <a:p>
             <a:fld id="{36BCE651-D5B7-4216-B81A-E265A6819704}" type="datetimeFigureOut">
               <a:rPr lang="en-SG" smtClean="0"/>
-              <a:t>9/3/2015</a:t>
+              <a:t>23/3/2015</a:t>
             </a:fld>
             <a:endParaRPr lang="en-SG"/>
           </a:p>
@@ -3161,7 +3172,7 @@
           <a:p>
             <a:fld id="{36BCE651-D5B7-4216-B81A-E265A6819704}" type="datetimeFigureOut">
               <a:rPr lang="en-SG" smtClean="0"/>
-              <a:t>9/3/2015</a:t>
+              <a:t>23/3/2015</a:t>
             </a:fld>
             <a:endParaRPr lang="en-SG"/>
           </a:p>
@@ -3374,7 +3385,7 @@
           <a:p>
             <a:fld id="{36BCE651-D5B7-4216-B81A-E265A6819704}" type="datetimeFigureOut">
               <a:rPr lang="en-SG" smtClean="0"/>
-              <a:t>9/3/2015</a:t>
+              <a:t>23/3/2015</a:t>
             </a:fld>
             <a:endParaRPr lang="en-SG"/>
           </a:p>
@@ -3800,7 +3811,7 @@
             <p:nvPr>
               <p:extLst>
                 <p:ext uri="{D42A27DB-BD31-4B8C-83A1-F6EECF244321}">
-                  <p14:modId xmlns:p14="http://schemas.microsoft.com/office/powerpoint/2010/main" val="2382599666"/>
+                  <p14:modId xmlns:p14="http://schemas.microsoft.com/office/powerpoint/2010/main" val="3590116816"/>
                 </p:ext>
               </p:extLst>
             </p:nvPr>
@@ -3837,7 +3848,7 @@
             </p:nvSpPr>
             <p:spPr>
               <a:xfrm>
-                <a:off x="11778840" y="1540454"/>
+                <a:off x="11745637" y="1533669"/>
                 <a:ext cx="7547155" cy="3013119"/>
               </a:xfrm>
               <a:prstGeom prst="rect">
@@ -4022,11 +4033,11 @@
   <p:clrMapOvr>
     <a:masterClrMapping/>
   </p:clrMapOvr>
-  <mc:AlternateContent xmlns:mc="http://schemas.openxmlformats.org/markup-compatibility/2006">
-    <mc:Choice xmlns:p14="http://schemas.microsoft.com/office/powerpoint/2010/main" Requires="p14">
+  <mc:AlternateContent xmlns:mc="http://schemas.openxmlformats.org/markup-compatibility/2006" xmlns:p14="http://schemas.microsoft.com/office/powerpoint/2010/main">
+    <mc:Choice Requires="p14">
       <p:transition spd="slow" p14:dur="2000"/>
     </mc:Choice>
-    <mc:Fallback>
+    <mc:Fallback xmlns="">
       <p:transition spd="slow"/>
     </mc:Fallback>
   </mc:AlternateContent>

--- a/Documents/Project Management/Metrics/Schedule Metrics/Schedule Metrics.pptx
+++ b/Documents/Project Management/Metrics/Schedule Metrics/Schedule Metrics.pptx
@@ -212,6 +212,27 @@
                 </c:ext>
               </c:extLst>
             </c:dLbl>
+            <c:dLbl>
+              <c:idx val="10"/>
+              <c:layout>
+                <c:manualLayout>
+                  <c:x val="-1.7015378937007875E-2"/>
+                  <c:y val="-0.10693243532227056"/>
+                </c:manualLayout>
+              </c:layout>
+              <c:dLblPos val="r"/>
+              <c:showLegendKey val="0"/>
+              <c:showVal val="1"/>
+              <c:showCatName val="0"/>
+              <c:showSerName val="0"/>
+              <c:showPercent val="0"/>
+              <c:showBubbleSize val="0"/>
+              <c:extLst>
+                <c:ext xmlns:c15="http://schemas.microsoft.com/office/drawing/2012/chart" uri="{CE6537A1-D6FC-4f65-9D91-7224C49458BB}">
+                  <c15:layout/>
+                </c:ext>
+              </c:extLst>
+            </c:dLbl>
             <c:spPr>
               <a:noFill/>
               <a:ln>
@@ -345,7 +366,7 @@
                   <c:v>1</c:v>
                 </c:pt>
                 <c:pt idx="10">
-                  <c:v>1</c:v>
+                  <c:v>0.93</c:v>
                 </c:pt>
               </c:numCache>
             </c:numRef>
@@ -363,11 +384,11 @@
         </c:dLbls>
         <c:marker val="1"/>
         <c:smooth val="0"/>
-        <c:axId val="-1445875792"/>
-        <c:axId val="-1257439872"/>
+        <c:axId val="-722687728"/>
+        <c:axId val="-722682832"/>
       </c:lineChart>
       <c:catAx>
-        <c:axId val="-1445875792"/>
+        <c:axId val="-722687728"/>
         <c:scaling>
           <c:orientation val="minMax"/>
         </c:scaling>
@@ -410,7 +431,7 @@
             <a:endParaRPr lang="en-US"/>
           </a:p>
         </c:txPr>
-        <c:crossAx val="-1257439872"/>
+        <c:crossAx val="-722682832"/>
         <c:crosses val="autoZero"/>
         <c:auto val="1"/>
         <c:lblAlgn val="ctr"/>
@@ -418,7 +439,7 @@
         <c:noMultiLvlLbl val="0"/>
       </c:catAx>
       <c:valAx>
-        <c:axId val="-1257439872"/>
+        <c:axId val="-722682832"/>
         <c:scaling>
           <c:orientation val="minMax"/>
           <c:max val="1.1000000000000001"/>
@@ -457,7 +478,7 @@
             <a:endParaRPr lang="en-US"/>
           </a:p>
         </c:txPr>
-        <c:crossAx val="-1445875792"/>
+        <c:crossAx val="-722687728"/>
         <c:crosses val="autoZero"/>
         <c:crossBetween val="between"/>
       </c:valAx>
@@ -581,7 +602,7 @@
           <a:p>
             <a:fld id="{87D4DE1A-008A-4303-BF93-2D295455AB95}" type="datetimeFigureOut">
               <a:rPr lang="en-SG" smtClean="0"/>
-              <a:t>23/3/2015</a:t>
+              <a:t>24/3/2015</a:t>
             </a:fld>
             <a:endParaRPr lang="en-SG"/>
           </a:p>
@@ -1064,7 +1085,7 @@
           <a:p>
             <a:fld id="{36BCE651-D5B7-4216-B81A-E265A6819704}" type="datetimeFigureOut">
               <a:rPr lang="en-SG" smtClean="0"/>
-              <a:t>23/3/2015</a:t>
+              <a:t>24/3/2015</a:t>
             </a:fld>
             <a:endParaRPr lang="en-SG"/>
           </a:p>
@@ -1234,7 +1255,7 @@
           <a:p>
             <a:fld id="{36BCE651-D5B7-4216-B81A-E265A6819704}" type="datetimeFigureOut">
               <a:rPr lang="en-SG" smtClean="0"/>
-              <a:t>23/3/2015</a:t>
+              <a:t>24/3/2015</a:t>
             </a:fld>
             <a:endParaRPr lang="en-SG"/>
           </a:p>
@@ -1414,7 +1435,7 @@
           <a:p>
             <a:fld id="{36BCE651-D5B7-4216-B81A-E265A6819704}" type="datetimeFigureOut">
               <a:rPr lang="en-SG" smtClean="0"/>
-              <a:t>23/3/2015</a:t>
+              <a:t>24/3/2015</a:t>
             </a:fld>
             <a:endParaRPr lang="en-SG"/>
           </a:p>
@@ -1584,7 +1605,7 @@
           <a:p>
             <a:fld id="{36BCE651-D5B7-4216-B81A-E265A6819704}" type="datetimeFigureOut">
               <a:rPr lang="en-SG" smtClean="0"/>
-              <a:t>23/3/2015</a:t>
+              <a:t>24/3/2015</a:t>
             </a:fld>
             <a:endParaRPr lang="en-SG"/>
           </a:p>
@@ -1830,7 +1851,7 @@
           <a:p>
             <a:fld id="{36BCE651-D5B7-4216-B81A-E265A6819704}" type="datetimeFigureOut">
               <a:rPr lang="en-SG" smtClean="0"/>
-              <a:t>23/3/2015</a:t>
+              <a:t>24/3/2015</a:t>
             </a:fld>
             <a:endParaRPr lang="en-SG"/>
           </a:p>
@@ -2062,7 +2083,7 @@
           <a:p>
             <a:fld id="{36BCE651-D5B7-4216-B81A-E265A6819704}" type="datetimeFigureOut">
               <a:rPr lang="en-SG" smtClean="0"/>
-              <a:t>23/3/2015</a:t>
+              <a:t>24/3/2015</a:t>
             </a:fld>
             <a:endParaRPr lang="en-SG"/>
           </a:p>
@@ -2429,7 +2450,7 @@
           <a:p>
             <a:fld id="{36BCE651-D5B7-4216-B81A-E265A6819704}" type="datetimeFigureOut">
               <a:rPr lang="en-SG" smtClean="0"/>
-              <a:t>23/3/2015</a:t>
+              <a:t>24/3/2015</a:t>
             </a:fld>
             <a:endParaRPr lang="en-SG"/>
           </a:p>
@@ -2547,7 +2568,7 @@
           <a:p>
             <a:fld id="{36BCE651-D5B7-4216-B81A-E265A6819704}" type="datetimeFigureOut">
               <a:rPr lang="en-SG" smtClean="0"/>
-              <a:t>23/3/2015</a:t>
+              <a:t>24/3/2015</a:t>
             </a:fld>
             <a:endParaRPr lang="en-SG"/>
           </a:p>
@@ -2642,7 +2663,7 @@
           <a:p>
             <a:fld id="{36BCE651-D5B7-4216-B81A-E265A6819704}" type="datetimeFigureOut">
               <a:rPr lang="en-SG" smtClean="0"/>
-              <a:t>23/3/2015</a:t>
+              <a:t>24/3/2015</a:t>
             </a:fld>
             <a:endParaRPr lang="en-SG"/>
           </a:p>
@@ -2919,7 +2940,7 @@
           <a:p>
             <a:fld id="{36BCE651-D5B7-4216-B81A-E265A6819704}" type="datetimeFigureOut">
               <a:rPr lang="en-SG" smtClean="0"/>
-              <a:t>23/3/2015</a:t>
+              <a:t>24/3/2015</a:t>
             </a:fld>
             <a:endParaRPr lang="en-SG"/>
           </a:p>
@@ -3172,7 +3193,7 @@
           <a:p>
             <a:fld id="{36BCE651-D5B7-4216-B81A-E265A6819704}" type="datetimeFigureOut">
               <a:rPr lang="en-SG" smtClean="0"/>
-              <a:t>23/3/2015</a:t>
+              <a:t>24/3/2015</a:t>
             </a:fld>
             <a:endParaRPr lang="en-SG"/>
           </a:p>
@@ -3385,7 +3406,7 @@
           <a:p>
             <a:fld id="{36BCE651-D5B7-4216-B81A-E265A6819704}" type="datetimeFigureOut">
               <a:rPr lang="en-SG" smtClean="0"/>
-              <a:t>23/3/2015</a:t>
+              <a:t>24/3/2015</a:t>
             </a:fld>
             <a:endParaRPr lang="en-SG"/>
           </a:p>
@@ -3811,7 +3832,7 @@
             <p:nvPr>
               <p:extLst>
                 <p:ext uri="{D42A27DB-BD31-4B8C-83A1-F6EECF244321}">
-                  <p14:modId xmlns:p14="http://schemas.microsoft.com/office/powerpoint/2010/main" val="3590116816"/>
+                  <p14:modId xmlns:p14="http://schemas.microsoft.com/office/powerpoint/2010/main" val="871747802"/>
                 </p:ext>
               </p:extLst>
             </p:nvPr>
@@ -3848,7 +3869,7 @@
             </p:nvSpPr>
             <p:spPr>
               <a:xfrm>
-                <a:off x="11745637" y="1533669"/>
+                <a:off x="11769660" y="1526884"/>
                 <a:ext cx="7547155" cy="3013119"/>
               </a:xfrm>
               <a:prstGeom prst="rect">
@@ -3970,7 +3991,7 @@
         </p:nvSpPr>
         <p:spPr>
           <a:xfrm>
-            <a:off x="8687421" y="3327092"/>
+            <a:off x="8499031" y="3797798"/>
             <a:ext cx="1677324" cy="576346"/>
           </a:xfrm>
           <a:prstGeom prst="rect">

--- a/Documents/Project Management/Metrics/Schedule Metrics/Schedule Metrics.pptx
+++ b/Documents/Project Management/Metrics/Schedule Metrics/Schedule Metrics.pptx
@@ -289,10 +289,10 @@
           </c:dLbls>
           <c:cat>
             <c:numRef>
-              <c:f>Sheet1!$A$2:$A$12</c:f>
+              <c:f>Sheet1!$A$2:$A$13</c:f>
               <c:numCache>
                 <c:formatCode>General</c:formatCode>
-                <c:ptCount val="11"/>
+                <c:ptCount val="12"/>
                 <c:pt idx="0">
                   <c:v>1</c:v>
                 </c:pt>
@@ -326,15 +326,18 @@
                 <c:pt idx="10">
                   <c:v>11</c:v>
                 </c:pt>
+                <c:pt idx="11">
+                  <c:v>12</c:v>
+                </c:pt>
               </c:numCache>
             </c:numRef>
           </c:cat>
           <c:val>
             <c:numRef>
-              <c:f>Sheet1!$B$2:$B$12</c:f>
+              <c:f>Sheet1!$B$2:$B$13</c:f>
               <c:numCache>
                 <c:formatCode>0%</c:formatCode>
-                <c:ptCount val="11"/>
+                <c:ptCount val="12"/>
                 <c:pt idx="0">
                   <c:v>1</c:v>
                 </c:pt>
@@ -368,6 +371,9 @@
                 <c:pt idx="10">
                   <c:v>0.93</c:v>
                 </c:pt>
+                <c:pt idx="11">
+                  <c:v>1</c:v>
+                </c:pt>
               </c:numCache>
             </c:numRef>
           </c:val>
@@ -384,11 +390,11 @@
         </c:dLbls>
         <c:marker val="1"/>
         <c:smooth val="0"/>
-        <c:axId val="-722687728"/>
-        <c:axId val="-722682832"/>
+        <c:axId val="-1098441616"/>
+        <c:axId val="-1250047888"/>
       </c:lineChart>
       <c:catAx>
-        <c:axId val="-722687728"/>
+        <c:axId val="-1098441616"/>
         <c:scaling>
           <c:orientation val="minMax"/>
         </c:scaling>
@@ -431,7 +437,7 @@
             <a:endParaRPr lang="en-US"/>
           </a:p>
         </c:txPr>
-        <c:crossAx val="-722682832"/>
+        <c:crossAx val="-1250047888"/>
         <c:crosses val="autoZero"/>
         <c:auto val="1"/>
         <c:lblAlgn val="ctr"/>
@@ -439,7 +445,7 @@
         <c:noMultiLvlLbl val="0"/>
       </c:catAx>
       <c:valAx>
-        <c:axId val="-722682832"/>
+        <c:axId val="-1250047888"/>
         <c:scaling>
           <c:orientation val="minMax"/>
           <c:max val="1.1000000000000001"/>
@@ -478,7 +484,7 @@
             <a:endParaRPr lang="en-US"/>
           </a:p>
         </c:txPr>
-        <c:crossAx val="-722687728"/>
+        <c:crossAx val="-1098441616"/>
         <c:crosses val="autoZero"/>
         <c:crossBetween val="between"/>
       </c:valAx>
@@ -602,7 +608,7 @@
           <a:p>
             <a:fld id="{87D4DE1A-008A-4303-BF93-2D295455AB95}" type="datetimeFigureOut">
               <a:rPr lang="en-SG" smtClean="0"/>
-              <a:t>24/3/2015</a:t>
+              <a:t>6/4/2015</a:t>
             </a:fld>
             <a:endParaRPr lang="en-SG"/>
           </a:p>
@@ -1085,7 +1091,7 @@
           <a:p>
             <a:fld id="{36BCE651-D5B7-4216-B81A-E265A6819704}" type="datetimeFigureOut">
               <a:rPr lang="en-SG" smtClean="0"/>
-              <a:t>24/3/2015</a:t>
+              <a:t>6/4/2015</a:t>
             </a:fld>
             <a:endParaRPr lang="en-SG"/>
           </a:p>
@@ -1255,7 +1261,7 @@
           <a:p>
             <a:fld id="{36BCE651-D5B7-4216-B81A-E265A6819704}" type="datetimeFigureOut">
               <a:rPr lang="en-SG" smtClean="0"/>
-              <a:t>24/3/2015</a:t>
+              <a:t>6/4/2015</a:t>
             </a:fld>
             <a:endParaRPr lang="en-SG"/>
           </a:p>
@@ -1435,7 +1441,7 @@
           <a:p>
             <a:fld id="{36BCE651-D5B7-4216-B81A-E265A6819704}" type="datetimeFigureOut">
               <a:rPr lang="en-SG" smtClean="0"/>
-              <a:t>24/3/2015</a:t>
+              <a:t>6/4/2015</a:t>
             </a:fld>
             <a:endParaRPr lang="en-SG"/>
           </a:p>
@@ -1605,7 +1611,7 @@
           <a:p>
             <a:fld id="{36BCE651-D5B7-4216-B81A-E265A6819704}" type="datetimeFigureOut">
               <a:rPr lang="en-SG" smtClean="0"/>
-              <a:t>24/3/2015</a:t>
+              <a:t>6/4/2015</a:t>
             </a:fld>
             <a:endParaRPr lang="en-SG"/>
           </a:p>
@@ -1851,7 +1857,7 @@
           <a:p>
             <a:fld id="{36BCE651-D5B7-4216-B81A-E265A6819704}" type="datetimeFigureOut">
               <a:rPr lang="en-SG" smtClean="0"/>
-              <a:t>24/3/2015</a:t>
+              <a:t>6/4/2015</a:t>
             </a:fld>
             <a:endParaRPr lang="en-SG"/>
           </a:p>
@@ -2083,7 +2089,7 @@
           <a:p>
             <a:fld id="{36BCE651-D5B7-4216-B81A-E265A6819704}" type="datetimeFigureOut">
               <a:rPr lang="en-SG" smtClean="0"/>
-              <a:t>24/3/2015</a:t>
+              <a:t>6/4/2015</a:t>
             </a:fld>
             <a:endParaRPr lang="en-SG"/>
           </a:p>
@@ -2450,7 +2456,7 @@
           <a:p>
             <a:fld id="{36BCE651-D5B7-4216-B81A-E265A6819704}" type="datetimeFigureOut">
               <a:rPr lang="en-SG" smtClean="0"/>
-              <a:t>24/3/2015</a:t>
+              <a:t>6/4/2015</a:t>
             </a:fld>
             <a:endParaRPr lang="en-SG"/>
           </a:p>
@@ -2568,7 +2574,7 @@
           <a:p>
             <a:fld id="{36BCE651-D5B7-4216-B81A-E265A6819704}" type="datetimeFigureOut">
               <a:rPr lang="en-SG" smtClean="0"/>
-              <a:t>24/3/2015</a:t>
+              <a:t>6/4/2015</a:t>
             </a:fld>
             <a:endParaRPr lang="en-SG"/>
           </a:p>
@@ -2663,7 +2669,7 @@
           <a:p>
             <a:fld id="{36BCE651-D5B7-4216-B81A-E265A6819704}" type="datetimeFigureOut">
               <a:rPr lang="en-SG" smtClean="0"/>
-              <a:t>24/3/2015</a:t>
+              <a:t>6/4/2015</a:t>
             </a:fld>
             <a:endParaRPr lang="en-SG"/>
           </a:p>
@@ -2940,7 +2946,7 @@
           <a:p>
             <a:fld id="{36BCE651-D5B7-4216-B81A-E265A6819704}" type="datetimeFigureOut">
               <a:rPr lang="en-SG" smtClean="0"/>
-              <a:t>24/3/2015</a:t>
+              <a:t>6/4/2015</a:t>
             </a:fld>
             <a:endParaRPr lang="en-SG"/>
           </a:p>
@@ -3193,7 +3199,7 @@
           <a:p>
             <a:fld id="{36BCE651-D5B7-4216-B81A-E265A6819704}" type="datetimeFigureOut">
               <a:rPr lang="en-SG" smtClean="0"/>
-              <a:t>24/3/2015</a:t>
+              <a:t>6/4/2015</a:t>
             </a:fld>
             <a:endParaRPr lang="en-SG"/>
           </a:p>
@@ -3406,7 +3412,7 @@
           <a:p>
             <a:fld id="{36BCE651-D5B7-4216-B81A-E265A6819704}" type="datetimeFigureOut">
               <a:rPr lang="en-SG" smtClean="0"/>
-              <a:t>24/3/2015</a:t>
+              <a:t>6/4/2015</a:t>
             </a:fld>
             <a:endParaRPr lang="en-SG"/>
           </a:p>
@@ -3832,7 +3838,7 @@
             <p:nvPr>
               <p:extLst>
                 <p:ext uri="{D42A27DB-BD31-4B8C-83A1-F6EECF244321}">
-                  <p14:modId xmlns:p14="http://schemas.microsoft.com/office/powerpoint/2010/main" val="871747802"/>
+                  <p14:modId xmlns:p14="http://schemas.microsoft.com/office/powerpoint/2010/main" val="2099395950"/>
                 </p:ext>
               </p:extLst>
             </p:nvPr>
@@ -3869,7 +3875,7 @@
             </p:nvSpPr>
             <p:spPr>
               <a:xfrm>
-                <a:off x="11769660" y="1526884"/>
+                <a:off x="11745637" y="1547239"/>
                 <a:ext cx="7547155" cy="3013119"/>
               </a:xfrm>
               <a:prstGeom prst="rect">
